--- a/01 R_Introduction_Data Structures/01d_DataSets.pptx
+++ b/01 R_Introduction_Data Structures/01d_DataSets.pptx
@@ -5338,7 +5338,7 @@
                 <a:latin typeface="Consolas" panose="020B0609020204030204" pitchFamily="49" charset="0"/>
                 <a:cs typeface="Consolas" panose="020B0609020204030204" pitchFamily="49" charset="0"/>
               </a:rPr>
-              <a:t>&gt; install.packages("ggplot2")</a:t>
+              <a:t>&gt; install.packages("ggplot2movies")</a:t>
             </a:r>
           </a:p>
           <a:p>
@@ -5379,8 +5379,25 @@
                 <a:latin typeface="Consolas" panose="020B0609020204030204" pitchFamily="49" charset="0"/>
                 <a:cs typeface="Consolas" panose="020B0609020204030204" pitchFamily="49" charset="0"/>
               </a:rPr>
-              <a:t>&gt; library(ggplot2)</a:t>
-            </a:r>
+              <a:t>&gt; </a:t>
+            </a:r>
+            <a:r>
+              <a:rPr lang="en-US" sz="8000">
+                <a:solidFill>
+                  <a:srgbClr val="0070C0"/>
+                </a:solidFill>
+                <a:latin typeface="Consolas" panose="020B0609020204030204" pitchFamily="49" charset="0"/>
+                <a:cs typeface="Consolas" panose="020B0609020204030204" pitchFamily="49" charset="0"/>
+              </a:rPr>
+              <a:t>library(ggplot2movies)</a:t>
+            </a:r>
+            <a:endParaRPr lang="en-US" sz="8000" dirty="0">
+              <a:solidFill>
+                <a:srgbClr val="0070C0"/>
+              </a:solidFill>
+              <a:latin typeface="Consolas" panose="020B0609020204030204" pitchFamily="49" charset="0"/>
+              <a:cs typeface="Consolas" panose="020B0609020204030204" pitchFamily="49" charset="0"/>
+            </a:endParaRPr>
           </a:p>
         </p:txBody>
       </p:sp>
